--- a/Final Project Data Analyst Program Hebrew University of Jerusalem Class 4 Group 2.pptx
+++ b/Final Project Data Analyst Program Hebrew University of Jerusalem Class 4 Group 2.pptx
@@ -146,12 +146,12 @@
   <pc:docChgLst>
     <pc:chgData name="שיר וולץ" userId="aefb9a7725becb63" providerId="LiveId" clId="{CC9D7999-7F6C-4730-81E2-C1BD979E1575}"/>
     <pc:docChg chg="undo custSel modSld">
-      <pc:chgData name="שיר וולץ" userId="aefb9a7725becb63" providerId="LiveId" clId="{CC9D7999-7F6C-4730-81E2-C1BD979E1575}" dt="2023-12-04T10:39:09.962" v="173" actId="6549"/>
+      <pc:chgData name="שיר וולץ" userId="aefb9a7725becb63" providerId="LiveId" clId="{CC9D7999-7F6C-4730-81E2-C1BD979E1575}" dt="2023-12-04T16:10:42.550" v="215" actId="20577"/>
       <pc:docMkLst>
         <pc:docMk/>
       </pc:docMkLst>
       <pc:sldChg chg="addSp modSp mod modAnim">
-        <pc:chgData name="שיר וולץ" userId="aefb9a7725becb63" providerId="LiveId" clId="{CC9D7999-7F6C-4730-81E2-C1BD979E1575}" dt="2023-12-04T10:17:08.900" v="46"/>
+        <pc:chgData name="שיר וולץ" userId="aefb9a7725becb63" providerId="LiveId" clId="{CC9D7999-7F6C-4730-81E2-C1BD979E1575}" dt="2023-12-04T15:02:14.514" v="174" actId="1076"/>
         <pc:sldMkLst>
           <pc:docMk/>
           <pc:sldMk cId="3979115751" sldId="271"/>
@@ -165,7 +165,7 @@
           </ac:spMkLst>
         </pc:spChg>
         <pc:spChg chg="mod">
-          <ac:chgData name="שיר וולץ" userId="aefb9a7725becb63" providerId="LiveId" clId="{CC9D7999-7F6C-4730-81E2-C1BD979E1575}" dt="2023-12-04T10:17:04.745" v="45" actId="164"/>
+          <ac:chgData name="שיר וולץ" userId="aefb9a7725becb63" providerId="LiveId" clId="{CC9D7999-7F6C-4730-81E2-C1BD979E1575}" dt="2023-12-04T15:02:14.514" v="174" actId="1076"/>
           <ac:spMkLst>
             <pc:docMk/>
             <pc:sldMk cId="3979115751" sldId="271"/>
@@ -330,6 +330,21 @@
           <ac:spMkLst>
             <pc:docMk/>
             <pc:sldMk cId="4086002149" sldId="285"/>
+            <ac:spMk id="4" creationId="{18C13FE4-332D-2C92-6AF2-2F31660F39AF}"/>
+          </ac:spMkLst>
+        </pc:spChg>
+      </pc:sldChg>
+      <pc:sldChg chg="modSp mod">
+        <pc:chgData name="שיר וולץ" userId="aefb9a7725becb63" providerId="LiveId" clId="{CC9D7999-7F6C-4730-81E2-C1BD979E1575}" dt="2023-12-04T16:10:42.550" v="215" actId="20577"/>
+        <pc:sldMkLst>
+          <pc:docMk/>
+          <pc:sldMk cId="782542545" sldId="286"/>
+        </pc:sldMkLst>
+        <pc:spChg chg="mod">
+          <ac:chgData name="שיר וולץ" userId="aefb9a7725becb63" providerId="LiveId" clId="{CC9D7999-7F6C-4730-81E2-C1BD979E1575}" dt="2023-12-04T16:10:42.550" v="215" actId="20577"/>
+          <ac:spMkLst>
+            <pc:docMk/>
+            <pc:sldMk cId="782542545" sldId="286"/>
             <ac:spMk id="4" creationId="{18C13FE4-332D-2C92-6AF2-2F31660F39AF}"/>
           </ac:spMkLst>
         </pc:spChg>
@@ -7804,8 +7819,17 @@
               <a:rPr lang="en-US" sz="2800" b="1" dirty="0">
                 <a:cs typeface="+mn-cs"/>
               </a:rPr>
-              <a:t>Removal → records number decreased to 4856.    </a:t>
-            </a:r>
+              <a:t>Removal → records number decreased to 4856 (73% of the </a:t>
+            </a:r>
+            <a:r>
+              <a:rPr lang="en-US" sz="2800" b="1">
+                <a:cs typeface="+mn-cs"/>
+              </a:rPr>
+              <a:t>Data base).    </a:t>
+            </a:r>
+            <a:endParaRPr lang="en-US" sz="2800" b="1" dirty="0">
+              <a:cs typeface="+mn-cs"/>
+            </a:endParaRPr>
           </a:p>
         </p:txBody>
       </p:sp>
@@ -13010,7 +13034,7 @@
           </p:nvSpPr>
           <p:spPr>
             <a:xfrm>
-              <a:off x="3082229" y="3625604"/>
+              <a:off x="3053318" y="3679888"/>
               <a:ext cx="721108" cy="369332"/>
             </a:xfrm>
             <a:prstGeom prst="rect">
